--- a/Poster presentation 2543320.pptx
+++ b/Poster presentation 2543320.pptx
@@ -239,7 +239,7 @@
             <a:fld id="{7171055F-8152-4ADD-8E3E-DCAE390CBDE8}" type="datetimeFigureOut">
               <a:rPr lang="en-GB" smtClean="0"/>
               <a:pPr/>
-              <a:t>25/03/2024</a:t>
+              <a:t>27/03/2024</a:t>
             </a:fld>
             <a:endParaRPr lang="en-GB"/>
           </a:p>
@@ -3912,8 +3912,8 @@
         </p:nvSpPr>
         <p:spPr bwMode="auto">
           <a:xfrm>
-            <a:off x="10410355" y="9320376"/>
-            <a:ext cx="9865611" cy="11859593"/>
+            <a:off x="9848610" y="9438481"/>
+            <a:ext cx="10126288" cy="14935200"/>
           </a:xfrm>
           <a:prstGeom prst="rect">
             <a:avLst/>
@@ -3922,9 +3922,7 @@
             <a:srgbClr val="FFFFFF"/>
           </a:solidFill>
           <a:ln w="12700">
-            <a:solidFill>
-              <a:srgbClr val="DDD9D6"/>
-            </a:solidFill>
+            <a:noFill/>
             <a:miter lim="800000"/>
             <a:headEnd/>
             <a:tailEnd/>
@@ -4060,17 +4058,6 @@
                 <a:spcPct val="40000"/>
               </a:spcBef>
             </a:pPr>
-            <a:r>
-              <a:rPr lang="en-US" altLang="en-US" sz="3200" dirty="0" err="1">
-                <a:solidFill>
-                  <a:srgbClr val="464646"/>
-                </a:solidFill>
-                <a:latin typeface="Calibri" charset="0"/>
-                <a:ea typeface="Calibri" charset="0"/>
-                <a:cs typeface="Calibri" charset="0"/>
-              </a:rPr>
-              <a:t>zx</a:t>
-            </a:r>
             <a:endParaRPr lang="en-US" altLang="en-US" sz="3200" dirty="0">
               <a:solidFill>
                 <a:srgbClr val="464646"/>
@@ -4080,6 +4067,294 @@
               <a:cs typeface="Calibri" charset="0"/>
             </a:endParaRPr>
           </a:p>
+          <a:p>
+            <a:pPr>
+              <a:spcBef>
+                <a:spcPct val="40000"/>
+              </a:spcBef>
+            </a:pPr>
+            <a:endParaRPr lang="en-US" altLang="en-US" sz="3200" dirty="0">
+              <a:solidFill>
+                <a:srgbClr val="464646"/>
+              </a:solidFill>
+              <a:latin typeface="Calibri" charset="0"/>
+              <a:ea typeface="Calibri" charset="0"/>
+              <a:cs typeface="Calibri" charset="0"/>
+            </a:endParaRPr>
+          </a:p>
+          <a:p>
+            <a:pPr>
+              <a:spcBef>
+                <a:spcPct val="40000"/>
+              </a:spcBef>
+            </a:pPr>
+            <a:endParaRPr lang="en-US" altLang="en-US" sz="3200" dirty="0">
+              <a:solidFill>
+                <a:srgbClr val="464646"/>
+              </a:solidFill>
+              <a:latin typeface="Calibri" charset="0"/>
+              <a:ea typeface="Calibri" charset="0"/>
+              <a:cs typeface="Calibri" charset="0"/>
+            </a:endParaRPr>
+          </a:p>
+          <a:p>
+            <a:pPr>
+              <a:spcBef>
+                <a:spcPct val="40000"/>
+              </a:spcBef>
+            </a:pPr>
+            <a:endParaRPr lang="en-US" altLang="en-US" sz="3200" dirty="0">
+              <a:solidFill>
+                <a:srgbClr val="464646"/>
+              </a:solidFill>
+              <a:latin typeface="Calibri" charset="0"/>
+              <a:ea typeface="Calibri" charset="0"/>
+              <a:cs typeface="Calibri" charset="0"/>
+            </a:endParaRPr>
+          </a:p>
+          <a:p>
+            <a:pPr>
+              <a:spcBef>
+                <a:spcPct val="40000"/>
+              </a:spcBef>
+            </a:pPr>
+            <a:endParaRPr lang="en-US" altLang="en-US" sz="3200" dirty="0">
+              <a:solidFill>
+                <a:srgbClr val="464646"/>
+              </a:solidFill>
+              <a:latin typeface="Calibri" charset="0"/>
+              <a:ea typeface="Calibri" charset="0"/>
+              <a:cs typeface="Calibri" charset="0"/>
+            </a:endParaRPr>
+          </a:p>
+          <a:p>
+            <a:pPr>
+              <a:spcBef>
+                <a:spcPct val="40000"/>
+              </a:spcBef>
+            </a:pPr>
+            <a:endParaRPr lang="en-US" altLang="en-US" sz="3200" dirty="0">
+              <a:solidFill>
+                <a:srgbClr val="464646"/>
+              </a:solidFill>
+              <a:latin typeface="Calibri" charset="0"/>
+              <a:ea typeface="Calibri" charset="0"/>
+              <a:cs typeface="Calibri" charset="0"/>
+            </a:endParaRPr>
+          </a:p>
+          <a:p>
+            <a:pPr>
+              <a:spcBef>
+                <a:spcPct val="40000"/>
+              </a:spcBef>
+            </a:pPr>
+            <a:endParaRPr lang="en-US" altLang="en-US" sz="3200" dirty="0">
+              <a:solidFill>
+                <a:srgbClr val="464646"/>
+              </a:solidFill>
+              <a:latin typeface="Calibri" charset="0"/>
+              <a:ea typeface="Calibri" charset="0"/>
+              <a:cs typeface="Calibri" charset="0"/>
+            </a:endParaRPr>
+          </a:p>
+          <a:p>
+            <a:pPr>
+              <a:spcBef>
+                <a:spcPct val="40000"/>
+              </a:spcBef>
+            </a:pPr>
+            <a:endParaRPr lang="en-US" altLang="en-US" sz="3200" dirty="0">
+              <a:solidFill>
+                <a:srgbClr val="464646"/>
+              </a:solidFill>
+              <a:latin typeface="Calibri" charset="0"/>
+              <a:ea typeface="Calibri" charset="0"/>
+              <a:cs typeface="Calibri" charset="0"/>
+            </a:endParaRPr>
+          </a:p>
+          <a:p>
+            <a:pPr>
+              <a:spcBef>
+                <a:spcPct val="40000"/>
+              </a:spcBef>
+            </a:pPr>
+            <a:endParaRPr lang="en-US" altLang="en-US" sz="3200" dirty="0">
+              <a:solidFill>
+                <a:srgbClr val="464646"/>
+              </a:solidFill>
+              <a:latin typeface="Calibri" charset="0"/>
+              <a:ea typeface="Calibri" charset="0"/>
+              <a:cs typeface="Calibri" charset="0"/>
+            </a:endParaRPr>
+          </a:p>
+          <a:p>
+            <a:pPr>
+              <a:spcBef>
+                <a:spcPct val="40000"/>
+              </a:spcBef>
+            </a:pPr>
+            <a:endParaRPr lang="en-US" altLang="en-US" sz="3200" dirty="0">
+              <a:solidFill>
+                <a:srgbClr val="464646"/>
+              </a:solidFill>
+              <a:latin typeface="Calibri" charset="0"/>
+              <a:ea typeface="Calibri" charset="0"/>
+              <a:cs typeface="Calibri" charset="0"/>
+            </a:endParaRPr>
+          </a:p>
+          <a:p>
+            <a:pPr>
+              <a:spcBef>
+                <a:spcPct val="40000"/>
+              </a:spcBef>
+            </a:pPr>
+            <a:endParaRPr lang="en-US" altLang="en-US" sz="3200" dirty="0">
+              <a:solidFill>
+                <a:srgbClr val="464646"/>
+              </a:solidFill>
+              <a:latin typeface="Calibri" charset="0"/>
+              <a:ea typeface="Calibri" charset="0"/>
+              <a:cs typeface="Calibri" charset="0"/>
+            </a:endParaRPr>
+          </a:p>
+          <a:p>
+            <a:pPr>
+              <a:spcBef>
+                <a:spcPct val="40000"/>
+              </a:spcBef>
+            </a:pPr>
+            <a:endParaRPr lang="en-US" altLang="en-US" sz="3200" dirty="0">
+              <a:solidFill>
+                <a:srgbClr val="464646"/>
+              </a:solidFill>
+              <a:latin typeface="Calibri" charset="0"/>
+              <a:ea typeface="Calibri" charset="0"/>
+              <a:cs typeface="Calibri" charset="0"/>
+            </a:endParaRPr>
+          </a:p>
+          <a:p>
+            <a:pPr>
+              <a:spcBef>
+                <a:spcPct val="40000"/>
+              </a:spcBef>
+            </a:pPr>
+            <a:endParaRPr lang="en-US" altLang="en-US" sz="3200" dirty="0">
+              <a:solidFill>
+                <a:srgbClr val="464646"/>
+              </a:solidFill>
+              <a:latin typeface="Calibri" charset="0"/>
+              <a:ea typeface="Calibri" charset="0"/>
+              <a:cs typeface="Calibri" charset="0"/>
+            </a:endParaRPr>
+          </a:p>
+          <a:p>
+            <a:pPr>
+              <a:spcBef>
+                <a:spcPct val="40000"/>
+              </a:spcBef>
+            </a:pPr>
+            <a:endParaRPr lang="en-US" altLang="en-US" sz="3200" dirty="0">
+              <a:solidFill>
+                <a:srgbClr val="464646"/>
+              </a:solidFill>
+              <a:latin typeface="Calibri" charset="0"/>
+              <a:ea typeface="Calibri" charset="0"/>
+              <a:cs typeface="Calibri" charset="0"/>
+            </a:endParaRPr>
+          </a:p>
+          <a:p>
+            <a:pPr>
+              <a:spcBef>
+                <a:spcPct val="40000"/>
+              </a:spcBef>
+            </a:pPr>
+            <a:endParaRPr lang="en-US" altLang="en-US" sz="3200" dirty="0">
+              <a:solidFill>
+                <a:srgbClr val="464646"/>
+              </a:solidFill>
+              <a:latin typeface="Calibri" charset="0"/>
+              <a:ea typeface="Calibri" charset="0"/>
+              <a:cs typeface="Calibri" charset="0"/>
+            </a:endParaRPr>
+          </a:p>
+          <a:p>
+            <a:pPr>
+              <a:spcBef>
+                <a:spcPct val="40000"/>
+              </a:spcBef>
+            </a:pPr>
+            <a:endParaRPr lang="en-US" altLang="en-US" sz="3200" dirty="0">
+              <a:solidFill>
+                <a:srgbClr val="464646"/>
+              </a:solidFill>
+              <a:latin typeface="Calibri" charset="0"/>
+              <a:ea typeface="Calibri" charset="0"/>
+              <a:cs typeface="Calibri" charset="0"/>
+            </a:endParaRPr>
+          </a:p>
+          <a:p>
+            <a:pPr>
+              <a:spcBef>
+                <a:spcPct val="40000"/>
+              </a:spcBef>
+            </a:pPr>
+            <a:endParaRPr lang="en-US" altLang="en-US" sz="3200" dirty="0">
+              <a:solidFill>
+                <a:srgbClr val="464646"/>
+              </a:solidFill>
+              <a:latin typeface="Calibri" charset="0"/>
+              <a:ea typeface="Calibri" charset="0"/>
+              <a:cs typeface="Calibri" charset="0"/>
+            </a:endParaRPr>
+          </a:p>
+          <a:p>
+            <a:pPr>
+              <a:spcBef>
+                <a:spcPct val="40000"/>
+              </a:spcBef>
+            </a:pPr>
+            <a:endParaRPr lang="en-US" altLang="en-US" sz="3200" dirty="0">
+              <a:solidFill>
+                <a:srgbClr val="464646"/>
+              </a:solidFill>
+              <a:latin typeface="Calibri" charset="0"/>
+              <a:ea typeface="Calibri" charset="0"/>
+              <a:cs typeface="Calibri" charset="0"/>
+            </a:endParaRPr>
+          </a:p>
+          <a:p>
+            <a:pPr>
+              <a:spcBef>
+                <a:spcPct val="40000"/>
+              </a:spcBef>
+            </a:pPr>
+            <a:endParaRPr lang="en-US" altLang="en-US" sz="3200" dirty="0">
+              <a:solidFill>
+                <a:srgbClr val="464646"/>
+              </a:solidFill>
+              <a:latin typeface="Calibri" charset="0"/>
+              <a:ea typeface="Calibri" charset="0"/>
+              <a:cs typeface="Calibri" charset="0"/>
+            </a:endParaRPr>
+          </a:p>
+          <a:p>
+            <a:pPr>
+              <a:spcBef>
+                <a:spcPct val="40000"/>
+              </a:spcBef>
+            </a:pPr>
+            <a:r>
+              <a:rPr lang="en-US" altLang="en-US" sz="3200" dirty="0">
+                <a:solidFill>
+                  <a:srgbClr val="464646"/>
+                </a:solidFill>
+                <a:latin typeface="Calibri" charset="0"/>
+                <a:ea typeface="Calibri" charset="0"/>
+                <a:cs typeface="Calibri" charset="0"/>
+              </a:rPr>
+              <a:t>Fig 3: Flow Chart of Sentimental Analysis of Historical text</a:t>
+            </a:r>
+          </a:p>
         </p:txBody>
       </p:sp>
       <p:sp>
@@ -4092,8 +4367,8 @@
         </p:nvSpPr>
         <p:spPr bwMode="auto">
           <a:xfrm>
-            <a:off x="10405527" y="8931980"/>
-            <a:ext cx="9828540" cy="1440001"/>
+            <a:off x="9715882" y="8771842"/>
+            <a:ext cx="10282322" cy="1440001"/>
           </a:xfrm>
           <a:prstGeom prst="rect">
             <a:avLst/>
@@ -4102,9 +4377,7 @@
             <a:srgbClr val="FFFFFF"/>
           </a:solidFill>
           <a:ln w="9525">
-            <a:solidFill>
-              <a:srgbClr val="DDD9D6"/>
-            </a:solidFill>
+            <a:noFill/>
             <a:miter lim="800000"/>
             <a:headEnd/>
             <a:tailEnd/>
@@ -4139,8 +4412,8 @@
         </p:nvSpPr>
         <p:spPr bwMode="auto">
           <a:xfrm>
-            <a:off x="10453074" y="25539858"/>
-            <a:ext cx="9540000" cy="16436022"/>
+            <a:off x="9970933" y="26631815"/>
+            <a:ext cx="9930737" cy="15773362"/>
           </a:xfrm>
           <a:prstGeom prst="rect">
             <a:avLst/>
@@ -4149,9 +4422,7 @@
             <a:srgbClr val="FFFFFF"/>
           </a:solidFill>
           <a:ln w="12700">
-            <a:solidFill>
-              <a:srgbClr val="DDD9D6"/>
-            </a:solidFill>
+            <a:noFill/>
             <a:miter lim="800000"/>
             <a:headEnd/>
             <a:tailEnd/>
@@ -4282,7 +4553,7 @@
                 <a:ea typeface="Calibri" charset="0"/>
                 <a:cs typeface="Times New Roman" panose="02020603050405020304" pitchFamily="18" charset="0"/>
               </a:rPr>
-              <a:t>Data Collection: Obtaining Anne Frank's diary       entries.</a:t>
+              <a:t>Data Collection: Obtaining Anne's Frank's diary entries. </a:t>
             </a:r>
           </a:p>
           <a:p>
@@ -4301,7 +4572,7 @@
                 <a:ea typeface="Calibri" charset="0"/>
                 <a:cs typeface="Times New Roman" panose="02020603050405020304" pitchFamily="18" charset="0"/>
               </a:rPr>
-              <a:t>Text Preprocessing: Cleaning and formatting the text data for analysis.</a:t>
+              <a:t>Text Preprocessing: Processing and formatting of text data for the analysis. </a:t>
             </a:r>
           </a:p>
           <a:p>
@@ -4320,7 +4591,7 @@
                 <a:ea typeface="Calibri" charset="0"/>
                 <a:cs typeface="Times New Roman" panose="02020603050405020304" pitchFamily="18" charset="0"/>
               </a:rPr>
-              <a:t>NRC Emotion Lexicon Loading: Load the NRC        Emotion Lexicon containing words labeled with emotions and sentiment ratings.</a:t>
+              <a:t>NRC Emotion Lexicon Loading: Loaded the NRC Emotion Lexicon in which the words are marked with the emotions and sentiments rating. </a:t>
             </a:r>
           </a:p>
           <a:p>
@@ -4339,7 +4610,7 @@
                 <a:ea typeface="Calibri" charset="0"/>
                 <a:cs typeface="Times New Roman" panose="02020603050405020304" pitchFamily="18" charset="0"/>
               </a:rPr>
-              <a:t>Sentiment Score Calculation and Labeling: Determine sentiment scores by calculating the difference between positive and negative emotions and label sentiments into discrete categories.</a:t>
+              <a:t>Sentiment Score Calculation and Labeling: The difference between the positive and negative emotions can be measured. Thus, this helps in calculating the sentiment scores and you can place them in clearly defined categories. </a:t>
             </a:r>
           </a:p>
           <a:p>
@@ -4358,7 +4629,7 @@
                 <a:ea typeface="Calibri" charset="0"/>
                 <a:cs typeface="Times New Roman" panose="02020603050405020304" pitchFamily="18" charset="0"/>
               </a:rPr>
-              <a:t> Date Pair Analysis: Identify date pairings in the diary text to analyze sentiment and emotion trends over time.</a:t>
+              <a:t>Date Pair Analysis: Pick the date-entries in the diary text to know the sentiments and emotions trends over time.</a:t>
             </a:r>
           </a:p>
           <a:p>
@@ -4377,7 +4648,7 @@
                 <a:ea typeface="Calibri" charset="0"/>
                 <a:cs typeface="Times New Roman" panose="02020603050405020304" pitchFamily="18" charset="0"/>
               </a:rPr>
-              <a:t>CSV Data Export: Save extracted emotions and sentiment scores in a CSV file for further analysis.</a:t>
+              <a:t>CSV Data Export: Save extracted emotions and sentiment scores along with the date entries in a CSV file  for further analysis.</a:t>
             </a:r>
           </a:p>
           <a:p>
@@ -4396,37 +4667,8 @@
                 <a:ea typeface="Calibri" charset="0"/>
                 <a:cs typeface="Times New Roman" panose="02020603050405020304" pitchFamily="18" charset="0"/>
               </a:rPr>
-              <a:t>Visualization in </a:t>
-            </a:r>
-            <a:r>
-              <a:rPr lang="en-US" altLang="en-US" sz="4000" dirty="0" err="1">
-                <a:solidFill>
-                  <a:srgbClr val="464646"/>
-                </a:solidFill>
-                <a:ea typeface="Calibri" charset="0"/>
-                <a:cs typeface="Times New Roman" panose="02020603050405020304" pitchFamily="18" charset="0"/>
-              </a:rPr>
-              <a:t>Streamlit</a:t>
-            </a:r>
-            <a:r>
-              <a:rPr lang="en-US" altLang="en-US" sz="4000" dirty="0">
-                <a:solidFill>
-                  <a:srgbClr val="464646"/>
-                </a:solidFill>
-                <a:ea typeface="Calibri" charset="0"/>
-                <a:cs typeface="Times New Roman" panose="02020603050405020304" pitchFamily="18" charset="0"/>
-              </a:rPr>
-              <a:t>.</a:t>
-            </a:r>
-          </a:p>
-          <a:p>
-            <a:pPr marL="457200" indent="-457200">
-              <a:spcBef>
-                <a:spcPct val="40000"/>
-              </a:spcBef>
-              <a:buFont typeface="Arial" panose="020B0604020202020204" pitchFamily="34" charset="0"/>
-              <a:buChar char="•"/>
-            </a:pPr>
+              <a:t> Visualizing the extracted data in Streamlit.</a:t>
+            </a:r>
             <a:endParaRPr lang="en-AU" altLang="en-US" sz="4000" dirty="0">
               <a:solidFill>
                 <a:srgbClr val="464646"/>
@@ -4447,8 +4689,8 @@
         </p:nvSpPr>
         <p:spPr bwMode="auto">
           <a:xfrm>
-            <a:off x="10477459" y="22862840"/>
-            <a:ext cx="9540000" cy="2677018"/>
+            <a:off x="10001676" y="24881892"/>
+            <a:ext cx="9996528" cy="2061272"/>
           </a:xfrm>
           <a:prstGeom prst="rect">
             <a:avLst/>
@@ -4457,9 +4699,7 @@
             <a:srgbClr val="FFFFFF"/>
           </a:solidFill>
           <a:ln w="12700">
-            <a:solidFill>
-              <a:srgbClr val="DDD9D6"/>
-            </a:solidFill>
+            <a:noFill/>
             <a:miter lim="800000"/>
             <a:headEnd/>
             <a:tailEnd/>
@@ -4499,8 +4739,8 @@
         </p:nvSpPr>
         <p:spPr bwMode="auto">
           <a:xfrm>
-            <a:off x="20633420" y="10402693"/>
-            <a:ext cx="9286649" cy="15394332"/>
+            <a:off x="20228304" y="14980188"/>
+            <a:ext cx="9505020" cy="12121404"/>
           </a:xfrm>
           <a:prstGeom prst="rect">
             <a:avLst/>
@@ -4509,9 +4749,7 @@
             <a:srgbClr val="FFFFFF"/>
           </a:solidFill>
           <a:ln w="12700">
-            <a:solidFill>
-              <a:srgbClr val="DDD9D6"/>
-            </a:solidFill>
+            <a:noFill/>
             <a:miter lim="800000"/>
             <a:headEnd/>
             <a:tailEnd/>
@@ -4627,12 +4865,10 @@
             </a:lvl9pPr>
           </a:lstStyle>
           <a:p>
-            <a:pPr marL="457200" indent="-457200">
+            <a:pPr>
               <a:spcBef>
                 <a:spcPct val="40000"/>
               </a:spcBef>
-              <a:buFont typeface="Arial" panose="020B0604020202020204" pitchFamily="34" charset="0"/>
-              <a:buChar char="•"/>
             </a:pPr>
             <a:r>
               <a:rPr lang="en-AU" altLang="en-US" sz="3200" dirty="0">
@@ -4643,25 +4879,7 @@
                 <a:ea typeface="Calibri" charset="0"/>
                 <a:cs typeface="Calibri" charset="0"/>
               </a:rPr>
-              <a:t>Sentimental Labels Distribution Pie chart</a:t>
-            </a:r>
-          </a:p>
-          <a:p>
-            <a:pPr>
-              <a:spcBef>
-                <a:spcPct val="40000"/>
-              </a:spcBef>
-            </a:pPr>
-            <a:r>
-              <a:rPr lang="en-AU" altLang="en-US" sz="3200" dirty="0">
-                <a:solidFill>
-                  <a:srgbClr val="464646"/>
-                </a:solidFill>
-                <a:latin typeface="Calibri" charset="0"/>
-                <a:ea typeface="Calibri" charset="0"/>
-                <a:cs typeface="Calibri" charset="0"/>
-              </a:rPr>
-              <a:t>																					</a:t>
+              <a:t>																				</a:t>
             </a:r>
           </a:p>
           <a:p>
@@ -4740,10 +4958,58 @@
             </a:endParaRPr>
           </a:p>
           <a:p>
+            <a:pPr marL="457200" indent="-457200">
+              <a:spcBef>
+                <a:spcPct val="40000"/>
+              </a:spcBef>
+              <a:buFont typeface="Arial" panose="020B0604020202020204" pitchFamily="34" charset="0"/>
+              <a:buChar char="•"/>
+            </a:pPr>
+            <a:endParaRPr lang="en-US" altLang="en-US" sz="3200" dirty="0">
+              <a:solidFill>
+                <a:srgbClr val="464646"/>
+              </a:solidFill>
+              <a:latin typeface="Calibri" charset="0"/>
+              <a:ea typeface="Calibri" charset="0"/>
+              <a:cs typeface="Calibri" charset="0"/>
+            </a:endParaRPr>
+          </a:p>
+          <a:p>
             <a:pPr>
               <a:spcBef>
                 <a:spcPct val="40000"/>
               </a:spcBef>
+            </a:pPr>
+            <a:r>
+              <a:rPr lang="en-US" altLang="en-US" sz="3200" dirty="0">
+                <a:solidFill>
+                  <a:srgbClr val="464646"/>
+                </a:solidFill>
+                <a:latin typeface="Calibri" charset="0"/>
+                <a:ea typeface="Calibri" charset="0"/>
+                <a:cs typeface="Calibri" charset="0"/>
+              </a:rPr>
+              <a:t>Fig 4: Distribution of Sentiment Labels with Extreme Scores</a:t>
+            </a:r>
+            <a:r>
+              <a:rPr lang="en-AU" altLang="en-US" sz="3200" dirty="0">
+                <a:solidFill>
+                  <a:srgbClr val="464646"/>
+                </a:solidFill>
+                <a:latin typeface="Calibri" charset="0"/>
+                <a:ea typeface="Calibri" charset="0"/>
+                <a:cs typeface="Calibri" charset="0"/>
+              </a:rPr>
+              <a:t>	</a:t>
+            </a:r>
+          </a:p>
+          <a:p>
+            <a:pPr marL="457200" indent="-457200">
+              <a:spcBef>
+                <a:spcPct val="40000"/>
+              </a:spcBef>
+              <a:buFont typeface="Arial" panose="020B0604020202020204" pitchFamily="34" charset="0"/>
+              <a:buChar char="•"/>
             </a:pPr>
             <a:endParaRPr lang="en-AU" altLang="en-US" sz="3200" dirty="0">
               <a:solidFill>
@@ -4796,6 +5062,72 @@
               <a:buFont typeface="Arial" panose="020B0604020202020204" pitchFamily="34" charset="0"/>
               <a:buChar char="•"/>
             </a:pPr>
+            <a:endParaRPr lang="en-AU" altLang="en-US" sz="3200" dirty="0">
+              <a:solidFill>
+                <a:srgbClr val="464646"/>
+              </a:solidFill>
+              <a:latin typeface="Calibri" charset="0"/>
+              <a:ea typeface="Calibri" charset="0"/>
+              <a:cs typeface="Calibri" charset="0"/>
+            </a:endParaRPr>
+          </a:p>
+          <a:p>
+            <a:pPr marL="457200" indent="-457200">
+              <a:spcBef>
+                <a:spcPct val="40000"/>
+              </a:spcBef>
+              <a:buFont typeface="Arial" panose="020B0604020202020204" pitchFamily="34" charset="0"/>
+              <a:buChar char="•"/>
+            </a:pPr>
+            <a:endParaRPr lang="en-AU" altLang="en-US" sz="3200" dirty="0">
+              <a:solidFill>
+                <a:srgbClr val="464646"/>
+              </a:solidFill>
+              <a:latin typeface="Calibri" charset="0"/>
+              <a:ea typeface="Calibri" charset="0"/>
+              <a:cs typeface="Calibri" charset="0"/>
+            </a:endParaRPr>
+          </a:p>
+          <a:p>
+            <a:pPr marL="457200" indent="-457200">
+              <a:spcBef>
+                <a:spcPct val="40000"/>
+              </a:spcBef>
+              <a:buFont typeface="Arial" panose="020B0604020202020204" pitchFamily="34" charset="0"/>
+              <a:buChar char="•"/>
+            </a:pPr>
+            <a:endParaRPr lang="en-AU" altLang="en-US" sz="3200" dirty="0">
+              <a:solidFill>
+                <a:srgbClr val="464646"/>
+              </a:solidFill>
+              <a:latin typeface="Calibri" charset="0"/>
+              <a:ea typeface="Calibri" charset="0"/>
+              <a:cs typeface="Calibri" charset="0"/>
+            </a:endParaRPr>
+          </a:p>
+          <a:p>
+            <a:pPr marL="457200" indent="-457200">
+              <a:spcBef>
+                <a:spcPct val="40000"/>
+              </a:spcBef>
+              <a:buFont typeface="Arial" panose="020B0604020202020204" pitchFamily="34" charset="0"/>
+              <a:buChar char="•"/>
+            </a:pPr>
+            <a:endParaRPr lang="en-AU" altLang="en-US" sz="3200" dirty="0">
+              <a:solidFill>
+                <a:srgbClr val="464646"/>
+              </a:solidFill>
+              <a:latin typeface="Calibri" charset="0"/>
+              <a:ea typeface="Calibri" charset="0"/>
+              <a:cs typeface="Calibri" charset="0"/>
+            </a:endParaRPr>
+          </a:p>
+          <a:p>
+            <a:pPr>
+              <a:spcBef>
+                <a:spcPct val="40000"/>
+              </a:spcBef>
+            </a:pPr>
             <a:r>
               <a:rPr lang="en-AU" altLang="en-US" sz="3200" dirty="0">
                 <a:solidFill>
@@ -4805,8 +5137,44 @@
                 <a:ea typeface="Calibri" charset="0"/>
                 <a:cs typeface="Calibri" charset="0"/>
               </a:rPr>
-              <a:t>Emotion Distribution Pie chart</a:t>
-            </a:r>
+              <a:t>Fig 5: </a:t>
+            </a:r>
+            <a:r>
+              <a:rPr lang="en-US" altLang="en-US" sz="3200" dirty="0">
+                <a:solidFill>
+                  <a:srgbClr val="464646"/>
+                </a:solidFill>
+                <a:latin typeface="Calibri" charset="0"/>
+                <a:ea typeface="Calibri" charset="0"/>
+                <a:cs typeface="Calibri" charset="0"/>
+              </a:rPr>
+              <a:t>Highest Count of Each Emotion with Date</a:t>
+            </a:r>
+            <a:endParaRPr lang="en-AU" altLang="en-US" sz="3200" dirty="0">
+              <a:solidFill>
+                <a:srgbClr val="464646"/>
+              </a:solidFill>
+              <a:latin typeface="Calibri" charset="0"/>
+              <a:ea typeface="Calibri" charset="0"/>
+              <a:cs typeface="Calibri" charset="0"/>
+            </a:endParaRPr>
+          </a:p>
+          <a:p>
+            <a:pPr marL="457200" indent="-457200">
+              <a:spcBef>
+                <a:spcPct val="40000"/>
+              </a:spcBef>
+              <a:buFont typeface="Arial" panose="020B0604020202020204" pitchFamily="34" charset="0"/>
+              <a:buChar char="•"/>
+            </a:pPr>
+            <a:endParaRPr lang="en-US" altLang="en-US" sz="3200" dirty="0">
+              <a:solidFill>
+                <a:srgbClr val="464646"/>
+              </a:solidFill>
+              <a:latin typeface="Calibri" charset="0"/>
+              <a:ea typeface="Calibri" charset="0"/>
+              <a:cs typeface="Calibri" charset="0"/>
+            </a:endParaRPr>
           </a:p>
         </p:txBody>
       </p:sp>
@@ -4820,8 +5188,8 @@
         </p:nvSpPr>
         <p:spPr bwMode="auto">
           <a:xfrm>
-            <a:off x="20612905" y="9052507"/>
-            <a:ext cx="9313028" cy="1440000"/>
+            <a:off x="20242774" y="13413706"/>
+            <a:ext cx="9691892" cy="1560527"/>
           </a:xfrm>
           <a:prstGeom prst="rect">
             <a:avLst/>
@@ -4830,9 +5198,7 @@
             <a:srgbClr val="FFFFFF"/>
           </a:solidFill>
           <a:ln w="12700">
-            <a:solidFill>
-              <a:srgbClr val="DDD9D6"/>
-            </a:solidFill>
+            <a:noFill/>
             <a:miter lim="800000"/>
             <a:headEnd/>
             <a:tailEnd/>
@@ -4872,8 +5238,8 @@
         </p:nvSpPr>
         <p:spPr bwMode="auto">
           <a:xfrm>
-            <a:off x="20506744" y="27520399"/>
-            <a:ext cx="9540000" cy="7394774"/>
+            <a:off x="20228304" y="28988706"/>
+            <a:ext cx="9746022" cy="7043575"/>
           </a:xfrm>
           <a:prstGeom prst="rect">
             <a:avLst/>
@@ -5004,7 +5370,7 @@
               </a:spcBef>
             </a:pPr>
             <a:r>
-              <a:rPr lang="en-US" altLang="en-US" sz="3200" dirty="0">
+              <a:rPr lang="en-US" altLang="en-US" sz="3600" dirty="0">
                 <a:solidFill>
                   <a:srgbClr val="464646"/>
                 </a:solidFill>
@@ -5012,7 +5378,7 @@
                 <a:ea typeface="Calibri" charset="0"/>
                 <a:cs typeface="Calibri" charset="0"/>
               </a:rPr>
-              <a:t>Analyzing Anne Frank's diary sentimentally has allowed us to see the emotional journey of a young girl living through one of the saddest periods in human history. Through close reading and visualization of her journal entries, we have been able to uncover the complex dynamics of her feelings, which included both profound sadness and worry as well as happy and hopeful moments. </a:t>
+              <a:t>Examining Anne Frank's diary sentimentally brings out the way that a young girl was emotionally going through difficult times in history. By means of close reading and visualizing, we find her emotion changes from complete depression to little episodes of optimism. The study adds depth to our knowledge of Anne's survival and resilience and provides insights into the human experience amid genocide.</a:t>
             </a:r>
           </a:p>
           <a:p>
@@ -5021,17 +5387,14 @@
                 <a:spcPct val="40000"/>
               </a:spcBef>
             </a:pPr>
-            <a:r>
-              <a:rPr lang="en-US" altLang="en-US" sz="3200" dirty="0">
-                <a:solidFill>
-                  <a:srgbClr val="464646"/>
-                </a:solidFill>
-                <a:latin typeface="Calibri" charset="0"/>
-                <a:ea typeface="Calibri" charset="0"/>
-                <a:cs typeface="Calibri" charset="0"/>
-              </a:rPr>
-              <a:t>This investigation has not only enriched our comprehension of Anne's personal challenges and determination but has also provided a glimpse into the wider experience of humanity during the genocide.</a:t>
-            </a:r>
+            <a:endParaRPr lang="en-US" altLang="en-US" sz="3600" dirty="0">
+              <a:solidFill>
+                <a:srgbClr val="464646"/>
+              </a:solidFill>
+              <a:latin typeface="Calibri" charset="0"/>
+              <a:ea typeface="Calibri" charset="0"/>
+              <a:cs typeface="Calibri" charset="0"/>
+            </a:endParaRPr>
           </a:p>
         </p:txBody>
       </p:sp>
@@ -5045,8 +5408,8 @@
         </p:nvSpPr>
         <p:spPr bwMode="auto">
           <a:xfrm>
-            <a:off x="20506744" y="26080399"/>
-            <a:ext cx="9540000" cy="1440000"/>
+            <a:off x="20228304" y="27575196"/>
+            <a:ext cx="9718324" cy="1440000"/>
           </a:xfrm>
           <a:prstGeom prst="rect">
             <a:avLst/>
@@ -5095,8 +5458,8 @@
         </p:nvSpPr>
         <p:spPr bwMode="auto">
           <a:xfrm>
-            <a:off x="472218" y="10666692"/>
-            <a:ext cx="9540000" cy="11540873"/>
+            <a:off x="472218" y="10666693"/>
+            <a:ext cx="9026588" cy="9634954"/>
           </a:xfrm>
           <a:prstGeom prst="rect">
             <a:avLst/>
@@ -5227,7 +5590,7 @@
               </a:spcBef>
             </a:pPr>
             <a:r>
-              <a:rPr lang="en-US" altLang="en-US" sz="3200" dirty="0">
+              <a:rPr lang="en-US" altLang="en-US" sz="3400" dirty="0">
                 <a:solidFill>
                   <a:srgbClr val="464646"/>
                 </a:solidFill>
@@ -5235,56 +5598,8 @@
                 <a:ea typeface="Calibri" panose="020F0502020204030204" pitchFamily="34" charset="0"/>
                 <a:cs typeface="Calibri" panose="020F0502020204030204" pitchFamily="34" charset="0"/>
               </a:rPr>
-              <a:t>In the digital age, the fusion of natural language processing (NLP) techniques with historical texts, exemplified by Anne Frank's diary, unveils the emotional depths of human history. Anne's diary, a poignant testament to resilience amidst adversity, reveals her innermost thoughts and struggles. Leveraging NLP algorithms and the NRC Emotion Lexicon, sentiment analysis uncovers the subtle nuances of Anne's emotions. </a:t>
-            </a:r>
-            <a:r>
-              <a:rPr lang="en-US" altLang="en-US" sz="3200" dirty="0" err="1">
-                <a:solidFill>
-                  <a:srgbClr val="464646"/>
-                </a:solidFill>
-                <a:latin typeface="Calibri" panose="020F0502020204030204" pitchFamily="34" charset="0"/>
-                <a:ea typeface="Calibri" panose="020F0502020204030204" pitchFamily="34" charset="0"/>
-                <a:cs typeface="Calibri" panose="020F0502020204030204" pitchFamily="34" charset="0"/>
-              </a:rPr>
-              <a:t>Streamlit</a:t>
-            </a:r>
-            <a:r>
-              <a:rPr lang="en-US" altLang="en-US" sz="3200" dirty="0">
-                <a:solidFill>
-                  <a:srgbClr val="464646"/>
-                </a:solidFill>
-                <a:latin typeface="Calibri" panose="020F0502020204030204" pitchFamily="34" charset="0"/>
-                <a:ea typeface="Calibri" panose="020F0502020204030204" pitchFamily="34" charset="0"/>
-                <a:cs typeface="Calibri" panose="020F0502020204030204" pitchFamily="34" charset="0"/>
-              </a:rPr>
-              <a:t> aids in visualizing the data, offering insights into Anne's quiet bravery and fleeting moments of beauty. </a:t>
-            </a:r>
-          </a:p>
-          <a:p>
-            <a:pPr>
-              <a:spcBef>
-                <a:spcPct val="40000"/>
-              </a:spcBef>
-            </a:pPr>
-            <a:r>
-              <a:rPr lang="en-US" altLang="en-US" sz="3200" dirty="0">
-                <a:solidFill>
-                  <a:srgbClr val="464646"/>
-                </a:solidFill>
-                <a:latin typeface="Calibri" panose="020F0502020204030204" pitchFamily="34" charset="0"/>
-                <a:ea typeface="Calibri" panose="020F0502020204030204" pitchFamily="34" charset="0"/>
-                <a:cs typeface="Calibri" panose="020F0502020204030204" pitchFamily="34" charset="0"/>
-              </a:rPr>
-              <a:t>The analysis transcends individual sentiments, exploring the temporal ebbs and flows of emotions during pivotal historical events, Anne's bravery resonates across generations, and her strength is a guiding light.. Ultimately, this study enriches our understanding of cultural heritage and the enduring power of human resilience.</a:t>
-            </a:r>
-            <a:endParaRPr lang="en-AU" altLang="en-US" sz="3200" dirty="0">
-              <a:solidFill>
-                <a:srgbClr val="464646"/>
-              </a:solidFill>
-              <a:latin typeface="Calibri" panose="020F0502020204030204" pitchFamily="34" charset="0"/>
-              <a:ea typeface="Calibri" panose="020F0502020204030204" pitchFamily="34" charset="0"/>
-              <a:cs typeface="Calibri" panose="020F0502020204030204" pitchFamily="34" charset="0"/>
-            </a:endParaRPr>
+              <a:t>Synthesis of historical texts by NLP, as shown in Anne Frank's diary, brings out amazing information about the history of mankind. Anne's diary, a witness to her emotional journey, revealed her inner conflict. NLP algorithms along with the NRC Emotion Lexicon help to elucidate Anne's inner emotions and Streamlit shows us her courage and pivotal moments. Apart from individual emotions, this research adduces the patterns of psychology that shape the course of historical events. Anne's transcendent strength is what is left that will contribute to the improvement of cultural traditions and development of cultural identity.</a:t>
+            </a:r>
           </a:p>
         </p:txBody>
       </p:sp>
@@ -5298,8 +5613,8 @@
         </p:nvSpPr>
         <p:spPr bwMode="auto">
           <a:xfrm>
-            <a:off x="486689" y="9195313"/>
-            <a:ext cx="9540000" cy="1440000"/>
+            <a:off x="486689" y="9226692"/>
+            <a:ext cx="9026588" cy="1440000"/>
           </a:xfrm>
           <a:prstGeom prst="rect">
             <a:avLst/>
@@ -5343,8 +5658,8 @@
         </p:nvSpPr>
         <p:spPr bwMode="auto">
           <a:xfrm>
-            <a:off x="381354" y="24296924"/>
-            <a:ext cx="9422932" cy="18212356"/>
+            <a:off x="486688" y="22841881"/>
+            <a:ext cx="8960203" cy="19591200"/>
           </a:xfrm>
           <a:prstGeom prst="rect">
             <a:avLst/>
@@ -5353,9 +5668,7 @@
             <a:srgbClr val="FFFFFF"/>
           </a:solidFill>
           <a:ln w="12700">
-            <a:solidFill>
-              <a:srgbClr val="DDD9D6"/>
-            </a:solidFill>
+            <a:noFill/>
             <a:miter lim="800000"/>
             <a:headEnd/>
             <a:tailEnd/>
@@ -5485,14 +5798,16 @@
                 <a:ea typeface="Calibri" panose="020F0502020204030204" pitchFamily="34" charset="0"/>
                 <a:cs typeface="Calibri" panose="020F0502020204030204" pitchFamily="34" charset="0"/>
               </a:rPr>
-              <a:t>The text preprocessing stage focuses on eliminating unnecessary characters and symbols, removing non-linguistic content such as dates and numbers, and filtering out stop words to facilitate meaningful analysis. Afterwards, the text  is tokenized into discrete words for further analysis.</a:t>
-            </a:r>
-          </a:p>
-          <a:p>
-            <a:pPr>
+              <a:t>The text preprocessing stage focuses on eliminating unnecessary characters and symbols, removing non-linguistic content such as numbers, text tokenized into discrete words and filtering out stop words to facilitate meaningful analysis. </a:t>
+            </a:r>
+          </a:p>
+          <a:p>
+            <a:pPr marL="571500" indent="-571500">
               <a:spcBef>
                 <a:spcPct val="40000"/>
               </a:spcBef>
+              <a:buFontTx/>
+              <a:buChar char="-"/>
             </a:pPr>
             <a:r>
               <a:rPr lang="en-US" altLang="en-US" sz="3600" dirty="0">
@@ -5502,8 +5817,334 @@
                 <a:ea typeface="Calibri" charset="0"/>
                 <a:cs typeface="Times New Roman" panose="02020603050405020304" pitchFamily="18" charset="0"/>
               </a:rPr>
-              <a:t>- Results:</a:t>
-            </a:r>
+              <a:t>Results:</a:t>
+            </a:r>
+          </a:p>
+          <a:p>
+            <a:pPr marL="571500" indent="-571500">
+              <a:spcBef>
+                <a:spcPct val="40000"/>
+              </a:spcBef>
+              <a:buFontTx/>
+              <a:buChar char="-"/>
+            </a:pPr>
+            <a:endParaRPr lang="en-US" altLang="en-US" sz="3600" dirty="0">
+              <a:solidFill>
+                <a:srgbClr val="464646"/>
+              </a:solidFill>
+              <a:ea typeface="Calibri" charset="0"/>
+              <a:cs typeface="Times New Roman" panose="02020603050405020304" pitchFamily="18" charset="0"/>
+            </a:endParaRPr>
+          </a:p>
+          <a:p>
+            <a:pPr marL="571500" indent="-571500">
+              <a:spcBef>
+                <a:spcPct val="40000"/>
+              </a:spcBef>
+              <a:buFontTx/>
+              <a:buChar char="-"/>
+            </a:pPr>
+            <a:endParaRPr lang="en-US" altLang="en-US" sz="3600" dirty="0">
+              <a:solidFill>
+                <a:srgbClr val="464646"/>
+              </a:solidFill>
+              <a:ea typeface="Calibri" charset="0"/>
+              <a:cs typeface="Times New Roman" panose="02020603050405020304" pitchFamily="18" charset="0"/>
+            </a:endParaRPr>
+          </a:p>
+          <a:p>
+            <a:pPr marL="571500" indent="-571500">
+              <a:spcBef>
+                <a:spcPct val="40000"/>
+              </a:spcBef>
+              <a:buFontTx/>
+              <a:buChar char="-"/>
+            </a:pPr>
+            <a:endParaRPr lang="en-US" altLang="en-US" sz="3600" dirty="0">
+              <a:solidFill>
+                <a:srgbClr val="464646"/>
+              </a:solidFill>
+              <a:ea typeface="Calibri" charset="0"/>
+              <a:cs typeface="Times New Roman" panose="02020603050405020304" pitchFamily="18" charset="0"/>
+            </a:endParaRPr>
+          </a:p>
+          <a:p>
+            <a:pPr marL="571500" indent="-571500">
+              <a:spcBef>
+                <a:spcPct val="40000"/>
+              </a:spcBef>
+              <a:buFontTx/>
+              <a:buChar char="-"/>
+            </a:pPr>
+            <a:endParaRPr lang="en-US" altLang="en-US" sz="3600" dirty="0">
+              <a:solidFill>
+                <a:srgbClr val="464646"/>
+              </a:solidFill>
+              <a:ea typeface="Calibri" charset="0"/>
+              <a:cs typeface="Times New Roman" panose="02020603050405020304" pitchFamily="18" charset="0"/>
+            </a:endParaRPr>
+          </a:p>
+          <a:p>
+            <a:pPr marL="571500" indent="-571500">
+              <a:spcBef>
+                <a:spcPct val="40000"/>
+              </a:spcBef>
+              <a:buFontTx/>
+              <a:buChar char="-"/>
+            </a:pPr>
+            <a:endParaRPr lang="en-US" altLang="en-US" sz="3600" dirty="0">
+              <a:solidFill>
+                <a:srgbClr val="464646"/>
+              </a:solidFill>
+              <a:ea typeface="Calibri" charset="0"/>
+              <a:cs typeface="Times New Roman" panose="02020603050405020304" pitchFamily="18" charset="0"/>
+            </a:endParaRPr>
+          </a:p>
+          <a:p>
+            <a:pPr marL="571500" indent="-571500">
+              <a:spcBef>
+                <a:spcPct val="40000"/>
+              </a:spcBef>
+              <a:buFontTx/>
+              <a:buChar char="-"/>
+            </a:pPr>
+            <a:endParaRPr lang="en-US" altLang="en-US" sz="3600" dirty="0">
+              <a:solidFill>
+                <a:srgbClr val="464646"/>
+              </a:solidFill>
+              <a:ea typeface="Calibri" charset="0"/>
+              <a:cs typeface="Times New Roman" panose="02020603050405020304" pitchFamily="18" charset="0"/>
+            </a:endParaRPr>
+          </a:p>
+          <a:p>
+            <a:pPr>
+              <a:spcBef>
+                <a:spcPct val="40000"/>
+              </a:spcBef>
+            </a:pPr>
+            <a:endParaRPr lang="en-US" altLang="en-US" sz="3200" dirty="0">
+              <a:solidFill>
+                <a:srgbClr val="464646"/>
+              </a:solidFill>
+              <a:ea typeface="Calibri" charset="0"/>
+              <a:cs typeface="Times New Roman" panose="02020603050405020304" pitchFamily="18" charset="0"/>
+            </a:endParaRPr>
+          </a:p>
+          <a:p>
+            <a:pPr>
+              <a:spcBef>
+                <a:spcPct val="40000"/>
+              </a:spcBef>
+            </a:pPr>
+            <a:r>
+              <a:rPr lang="en-US" altLang="en-US" sz="3200" dirty="0">
+                <a:solidFill>
+                  <a:srgbClr val="464646"/>
+                </a:solidFill>
+                <a:ea typeface="Calibri" charset="0"/>
+                <a:cs typeface="Times New Roman" panose="02020603050405020304" pitchFamily="18" charset="0"/>
+              </a:rPr>
+              <a:t>Fig 1: Before Data Preprocessing and Cleaning</a:t>
+            </a:r>
+          </a:p>
+          <a:p>
+            <a:pPr>
+              <a:spcBef>
+                <a:spcPct val="40000"/>
+              </a:spcBef>
+            </a:pPr>
+            <a:endParaRPr lang="en-US" altLang="en-US" sz="3200" dirty="0">
+              <a:solidFill>
+                <a:srgbClr val="464646"/>
+              </a:solidFill>
+              <a:ea typeface="Calibri" charset="0"/>
+              <a:cs typeface="Times New Roman" panose="02020603050405020304" pitchFamily="18" charset="0"/>
+            </a:endParaRPr>
+          </a:p>
+          <a:p>
+            <a:pPr>
+              <a:spcBef>
+                <a:spcPct val="40000"/>
+              </a:spcBef>
+            </a:pPr>
+            <a:endParaRPr lang="en-US" altLang="en-US" sz="3200" dirty="0">
+              <a:solidFill>
+                <a:srgbClr val="464646"/>
+              </a:solidFill>
+              <a:ea typeface="Calibri" charset="0"/>
+              <a:cs typeface="Times New Roman" panose="02020603050405020304" pitchFamily="18" charset="0"/>
+            </a:endParaRPr>
+          </a:p>
+          <a:p>
+            <a:pPr>
+              <a:spcBef>
+                <a:spcPct val="40000"/>
+              </a:spcBef>
+            </a:pPr>
+            <a:endParaRPr lang="en-US" altLang="en-US" sz="3200" dirty="0">
+              <a:solidFill>
+                <a:srgbClr val="464646"/>
+              </a:solidFill>
+              <a:ea typeface="Calibri" charset="0"/>
+              <a:cs typeface="Times New Roman" panose="02020603050405020304" pitchFamily="18" charset="0"/>
+            </a:endParaRPr>
+          </a:p>
+          <a:p>
+            <a:pPr>
+              <a:spcBef>
+                <a:spcPct val="40000"/>
+              </a:spcBef>
+            </a:pPr>
+            <a:endParaRPr lang="en-US" altLang="en-US" sz="3200" dirty="0">
+              <a:solidFill>
+                <a:srgbClr val="464646"/>
+              </a:solidFill>
+              <a:ea typeface="Calibri" charset="0"/>
+              <a:cs typeface="Times New Roman" panose="02020603050405020304" pitchFamily="18" charset="0"/>
+            </a:endParaRPr>
+          </a:p>
+          <a:p>
+            <a:pPr>
+              <a:spcBef>
+                <a:spcPct val="40000"/>
+              </a:spcBef>
+            </a:pPr>
+            <a:endParaRPr lang="en-US" altLang="en-US" sz="3200" dirty="0">
+              <a:solidFill>
+                <a:srgbClr val="464646"/>
+              </a:solidFill>
+              <a:ea typeface="Calibri" charset="0"/>
+              <a:cs typeface="Times New Roman" panose="02020603050405020304" pitchFamily="18" charset="0"/>
+            </a:endParaRPr>
+          </a:p>
+          <a:p>
+            <a:pPr>
+              <a:spcBef>
+                <a:spcPct val="40000"/>
+              </a:spcBef>
+            </a:pPr>
+            <a:endParaRPr lang="en-US" altLang="en-US" sz="3200" dirty="0">
+              <a:solidFill>
+                <a:srgbClr val="464646"/>
+              </a:solidFill>
+              <a:ea typeface="Calibri" charset="0"/>
+              <a:cs typeface="Times New Roman" panose="02020603050405020304" pitchFamily="18" charset="0"/>
+            </a:endParaRPr>
+          </a:p>
+          <a:p>
+            <a:pPr>
+              <a:spcBef>
+                <a:spcPct val="40000"/>
+              </a:spcBef>
+            </a:pPr>
+            <a:endParaRPr lang="en-US" altLang="en-US" sz="3200" dirty="0">
+              <a:solidFill>
+                <a:srgbClr val="464646"/>
+              </a:solidFill>
+              <a:ea typeface="Calibri" charset="0"/>
+              <a:cs typeface="Times New Roman" panose="02020603050405020304" pitchFamily="18" charset="0"/>
+            </a:endParaRPr>
+          </a:p>
+          <a:p>
+            <a:pPr>
+              <a:spcBef>
+                <a:spcPct val="40000"/>
+              </a:spcBef>
+            </a:pPr>
+            <a:endParaRPr lang="en-US" altLang="en-US" sz="3200" dirty="0">
+              <a:solidFill>
+                <a:srgbClr val="464646"/>
+              </a:solidFill>
+              <a:ea typeface="Calibri" charset="0"/>
+              <a:cs typeface="Times New Roman" panose="02020603050405020304" pitchFamily="18" charset="0"/>
+            </a:endParaRPr>
+          </a:p>
+          <a:p>
+            <a:pPr>
+              <a:spcBef>
+                <a:spcPct val="40000"/>
+              </a:spcBef>
+            </a:pPr>
+            <a:endParaRPr lang="en-US" altLang="en-US" sz="3200" dirty="0">
+              <a:solidFill>
+                <a:srgbClr val="464646"/>
+              </a:solidFill>
+              <a:ea typeface="Calibri" charset="0"/>
+              <a:cs typeface="Times New Roman" panose="02020603050405020304" pitchFamily="18" charset="0"/>
+            </a:endParaRPr>
+          </a:p>
+          <a:p>
+            <a:pPr>
+              <a:spcBef>
+                <a:spcPct val="40000"/>
+              </a:spcBef>
+            </a:pPr>
+            <a:endParaRPr lang="en-US" altLang="en-US" sz="3200" dirty="0">
+              <a:solidFill>
+                <a:srgbClr val="464646"/>
+              </a:solidFill>
+              <a:ea typeface="Calibri" charset="0"/>
+              <a:cs typeface="Times New Roman" panose="02020603050405020304" pitchFamily="18" charset="0"/>
+            </a:endParaRPr>
+          </a:p>
+          <a:p>
+            <a:pPr>
+              <a:spcBef>
+                <a:spcPct val="40000"/>
+              </a:spcBef>
+            </a:pPr>
+            <a:endParaRPr lang="en-US" altLang="en-US" sz="3200" dirty="0">
+              <a:solidFill>
+                <a:srgbClr val="464646"/>
+              </a:solidFill>
+              <a:ea typeface="Calibri" charset="0"/>
+              <a:cs typeface="Times New Roman" panose="02020603050405020304" pitchFamily="18" charset="0"/>
+            </a:endParaRPr>
+          </a:p>
+          <a:p>
+            <a:pPr>
+              <a:spcBef>
+                <a:spcPct val="40000"/>
+              </a:spcBef>
+            </a:pPr>
+            <a:endParaRPr lang="en-US" altLang="en-US" sz="3200" dirty="0">
+              <a:solidFill>
+                <a:srgbClr val="464646"/>
+              </a:solidFill>
+              <a:ea typeface="Calibri" charset="0"/>
+              <a:cs typeface="Times New Roman" panose="02020603050405020304" pitchFamily="18" charset="0"/>
+            </a:endParaRPr>
+          </a:p>
+          <a:p>
+            <a:pPr>
+              <a:spcBef>
+                <a:spcPct val="40000"/>
+              </a:spcBef>
+            </a:pPr>
+            <a:r>
+              <a:rPr lang="en-US" altLang="en-US" sz="3200" dirty="0">
+                <a:solidFill>
+                  <a:srgbClr val="464646"/>
+                </a:solidFill>
+                <a:ea typeface="Calibri" charset="0"/>
+                <a:cs typeface="Times New Roman" panose="02020603050405020304" pitchFamily="18" charset="0"/>
+              </a:rPr>
+              <a:t>Fig 2: After Data Preprocessing and Cleaning</a:t>
+            </a:r>
+          </a:p>
+          <a:p>
+            <a:pPr>
+              <a:spcBef>
+                <a:spcPct val="40000"/>
+              </a:spcBef>
+            </a:pPr>
+            <a:endParaRPr lang="en-US" altLang="en-US" sz="3200" dirty="0">
+              <a:solidFill>
+                <a:srgbClr val="464646"/>
+              </a:solidFill>
+              <a:ea typeface="Calibri" charset="0"/>
+              <a:cs typeface="Times New Roman" panose="02020603050405020304" pitchFamily="18" charset="0"/>
+            </a:endParaRPr>
           </a:p>
         </p:txBody>
       </p:sp>
@@ -5517,8 +6158,8 @@
         </p:nvSpPr>
         <p:spPr bwMode="auto">
           <a:xfrm>
-            <a:off x="412354" y="22862840"/>
-            <a:ext cx="9422932" cy="1440000"/>
+            <a:off x="502901" y="20944681"/>
+            <a:ext cx="8995905" cy="1897200"/>
           </a:xfrm>
           <a:prstGeom prst="rect">
             <a:avLst/>
@@ -5527,9 +6168,7 @@
             <a:srgbClr val="FFFFFF"/>
           </a:solidFill>
           <a:ln w="12700">
-            <a:solidFill>
-              <a:srgbClr val="DDD9D6"/>
-            </a:solidFill>
+            <a:noFill/>
             <a:miter lim="800000"/>
             <a:headEnd/>
             <a:tailEnd/>
@@ -5662,36 +6301,6 @@
           </a:p>
         </p:txBody>
       </p:sp>
-      <p:pic>
-        <p:nvPicPr>
-          <p:cNvPr id="6" name="Picture 5">
-            <a:extLst>
-              <a:ext uri="{FF2B5EF4-FFF2-40B4-BE49-F238E27FC236}">
-                <a16:creationId xmlns:a16="http://schemas.microsoft.com/office/drawing/2014/main" id="{9E6A484B-2F77-0151-4AE6-33EB3C5156E7}"/>
-              </a:ext>
-            </a:extLst>
-          </p:cNvPr>
-          <p:cNvPicPr>
-            <a:picLocks noChangeAspect="1"/>
-          </p:cNvPicPr>
-          <p:nvPr/>
-        </p:nvPicPr>
-        <p:blipFill>
-          <a:blip r:embed="rId3"/>
-          <a:stretch>
-            <a:fillRect/>
-          </a:stretch>
-        </p:blipFill>
-        <p:spPr>
-          <a:xfrm>
-            <a:off x="10471602" y="10303710"/>
-            <a:ext cx="9828540" cy="11859593"/>
-          </a:xfrm>
-          <a:prstGeom prst="rect">
-            <a:avLst/>
-          </a:prstGeom>
-        </p:spPr>
-      </p:pic>
       <p:pic>
         <p:nvPicPr>
           <p:cNvPr id="1031" name="Picture 7" descr="Researchers Uncover Two Hidden Pages in Anne Frank's Diary - The New York  Times">
@@ -5707,7 +6316,7 @@
           <p:nvPr/>
         </p:nvPicPr>
         <p:blipFill>
-          <a:blip r:embed="rId4">
+          <a:blip r:embed="rId3">
             <a:extLst>
               <a:ext uri="{28A0092B-C50C-407E-A947-70E740481C1C}">
                 <a14:useLocalDpi xmlns:a14="http://schemas.microsoft.com/office/drawing/2010/main" val="0"/>
@@ -5721,8 +6330,8 @@
         </p:blipFill>
         <p:spPr bwMode="auto">
           <a:xfrm>
-            <a:off x="21161773" y="221926"/>
-            <a:ext cx="7996634" cy="8582350"/>
+            <a:off x="20996693" y="2809081"/>
+            <a:ext cx="8600475" cy="10251607"/>
           </a:xfrm>
           <a:prstGeom prst="rect">
             <a:avLst/>
@@ -5754,15 +6363,15 @@
           <p:nvPr/>
         </p:nvPicPr>
         <p:blipFill>
-          <a:blip r:embed="rId5"/>
+          <a:blip r:embed="rId4"/>
           <a:stretch>
             <a:fillRect/>
           </a:stretch>
         </p:blipFill>
         <p:spPr>
           <a:xfrm>
-            <a:off x="501526" y="29810543"/>
-            <a:ext cx="8686800" cy="4926157"/>
+            <a:off x="546175" y="26849469"/>
+            <a:ext cx="8883637" cy="5219979"/>
           </a:xfrm>
           <a:prstGeom prst="rect">
             <a:avLst/>
@@ -5784,135 +6393,15 @@
           <p:nvPr/>
         </p:nvPicPr>
         <p:blipFill>
-          <a:blip r:embed="rId6"/>
+          <a:blip r:embed="rId5"/>
           <a:stretch>
             <a:fillRect/>
           </a:stretch>
         </p:blipFill>
         <p:spPr>
           <a:xfrm>
-            <a:off x="528488" y="36310202"/>
-            <a:ext cx="8206154" cy="5665678"/>
-          </a:xfrm>
-          <a:prstGeom prst="rect">
-            <a:avLst/>
-          </a:prstGeom>
-        </p:spPr>
-      </p:pic>
-      <p:pic>
-        <p:nvPicPr>
-          <p:cNvPr id="36" name="Picture 35">
-            <a:extLst>
-              <a:ext uri="{FF2B5EF4-FFF2-40B4-BE49-F238E27FC236}">
-                <a16:creationId xmlns:a16="http://schemas.microsoft.com/office/drawing/2014/main" id="{4B0C5A6E-F558-D125-07E9-4E8C1EBB2BBF}"/>
-              </a:ext>
-            </a:extLst>
-          </p:cNvPr>
-          <p:cNvPicPr>
-            <a:picLocks noChangeAspect="1"/>
-          </p:cNvPicPr>
-          <p:nvPr/>
-        </p:nvPicPr>
-        <p:blipFill>
-          <a:blip r:embed="rId7"/>
-          <a:stretch>
-            <a:fillRect/>
-          </a:stretch>
-        </p:blipFill>
-        <p:spPr>
-          <a:xfrm>
-            <a:off x="542959" y="35255388"/>
-            <a:ext cx="7567269" cy="915396"/>
-          </a:xfrm>
-          <a:prstGeom prst="rect">
-            <a:avLst/>
-          </a:prstGeom>
-        </p:spPr>
-      </p:pic>
-      <p:pic>
-        <p:nvPicPr>
-          <p:cNvPr id="39" name="Picture 38">
-            <a:extLst>
-              <a:ext uri="{FF2B5EF4-FFF2-40B4-BE49-F238E27FC236}">
-                <a16:creationId xmlns:a16="http://schemas.microsoft.com/office/drawing/2014/main" id="{997A299C-E006-947A-5C63-18038C1F4339}"/>
-              </a:ext>
-            </a:extLst>
-          </p:cNvPr>
-          <p:cNvPicPr>
-            <a:picLocks noChangeAspect="1"/>
-          </p:cNvPicPr>
-          <p:nvPr/>
-        </p:nvPicPr>
-        <p:blipFill>
-          <a:blip r:embed="rId8"/>
-          <a:stretch>
-            <a:fillRect/>
-          </a:stretch>
-        </p:blipFill>
-        <p:spPr>
-          <a:xfrm>
-            <a:off x="542959" y="28953423"/>
-            <a:ext cx="7203864" cy="832704"/>
-          </a:xfrm>
-          <a:prstGeom prst="rect">
-            <a:avLst/>
-          </a:prstGeom>
-        </p:spPr>
-      </p:pic>
-      <p:pic>
-        <p:nvPicPr>
-          <p:cNvPr id="41" name="Picture 40">
-            <a:extLst>
-              <a:ext uri="{FF2B5EF4-FFF2-40B4-BE49-F238E27FC236}">
-                <a16:creationId xmlns:a16="http://schemas.microsoft.com/office/drawing/2014/main" id="{2BBBB10C-146B-D219-5974-2448AF5B169C}"/>
-              </a:ext>
-            </a:extLst>
-          </p:cNvPr>
-          <p:cNvPicPr>
-            <a:picLocks noChangeAspect="1"/>
-          </p:cNvPicPr>
-          <p:nvPr/>
-        </p:nvPicPr>
-        <p:blipFill>
-          <a:blip r:embed="rId9"/>
-          <a:stretch>
-            <a:fillRect/>
-          </a:stretch>
-        </p:blipFill>
-        <p:spPr>
-          <a:xfrm>
-            <a:off x="20940488" y="11495881"/>
-            <a:ext cx="8013144" cy="6386233"/>
-          </a:xfrm>
-          <a:prstGeom prst="rect">
-            <a:avLst/>
-          </a:prstGeom>
-        </p:spPr>
-      </p:pic>
-      <p:pic>
-        <p:nvPicPr>
-          <p:cNvPr id="45" name="Picture 44">
-            <a:extLst>
-              <a:ext uri="{FF2B5EF4-FFF2-40B4-BE49-F238E27FC236}">
-                <a16:creationId xmlns:a16="http://schemas.microsoft.com/office/drawing/2014/main" id="{AE51B183-FCFF-12B9-2142-E069151B4D1E}"/>
-              </a:ext>
-            </a:extLst>
-          </p:cNvPr>
-          <p:cNvPicPr>
-            <a:picLocks noChangeAspect="1"/>
-          </p:cNvPicPr>
-          <p:nvPr/>
-        </p:nvPicPr>
-        <p:blipFill>
-          <a:blip r:embed="rId10"/>
-          <a:stretch>
-            <a:fillRect/>
-          </a:stretch>
-        </p:blipFill>
-        <p:spPr>
-          <a:xfrm>
-            <a:off x="20735350" y="19174181"/>
-            <a:ext cx="7392041" cy="6523285"/>
+            <a:off x="597485" y="34010533"/>
+            <a:ext cx="8804996" cy="6481462"/>
           </a:xfrm>
           <a:prstGeom prst="rect">
             <a:avLst/>
@@ -5933,13 +6422,14 @@
         </p:nvSpPr>
         <p:spPr bwMode="auto">
           <a:xfrm>
-            <a:off x="20659632" y="35255388"/>
-            <a:ext cx="9234227" cy="7034167"/>
+            <a:off x="20248100" y="37985577"/>
+            <a:ext cx="9698527" cy="4419600"/>
           </a:xfrm>
           <a:prstGeom prst="rect">
             <a:avLst/>
           </a:prstGeom>
           <a:ln>
+            <a:noFill/>
             <a:headEnd type="none" w="med" len="med"/>
             <a:tailEnd type="none" w="med" len="med"/>
           </a:ln>
@@ -5984,43 +6474,6 @@
               <a:buNone/>
               <a:tabLst/>
             </a:pPr>
-            <a:r>
-              <a:rPr lang="en-US" sz="5400" dirty="0">
-                <a:ln w="0"/>
-                <a:solidFill>
-                  <a:schemeClr val="accent1"/>
-                </a:solidFill>
-                <a:effectLst>
-                  <a:outerShdw blurRad="38100" dist="25400" dir="5400000" algn="ctr" rotWithShape="0">
-                    <a:srgbClr val="6E747A">
-                      <a:alpha val="43000"/>
-                    </a:srgbClr>
-                  </a:outerShdw>
-                </a:effectLst>
-                <a:latin typeface="Calibri" panose="020F0502020204030204" pitchFamily="34" charset="0"/>
-                <a:ea typeface="Calibri" panose="020F0502020204030204" pitchFamily="34" charset="0"/>
-                <a:cs typeface="Calibri" panose="020F0502020204030204" pitchFamily="34" charset="0"/>
-              </a:rPr>
-              <a:t>References</a:t>
-            </a:r>
-          </a:p>
-          <a:p>
-            <a:pPr marL="0" marR="0" indent="0" algn="l" defTabSz="914400" rtl="0" eaLnBrk="0" fontAlgn="base" latinLnBrk="0" hangingPunct="0">
-              <a:lnSpc>
-                <a:spcPct val="100000"/>
-              </a:lnSpc>
-              <a:spcBef>
-                <a:spcPct val="0"/>
-              </a:spcBef>
-              <a:spcAft>
-                <a:spcPct val="0"/>
-              </a:spcAft>
-              <a:buClrTx/>
-              <a:buSzTx/>
-              <a:buFontTx/>
-              <a:buNone/>
-              <a:tabLst/>
-            </a:pPr>
             <a:endParaRPr lang="en-US" sz="5400" dirty="0">
               <a:ln w="0"/>
               <a:solidFill>
@@ -6039,343 +6492,6 @@
             </a:endParaRPr>
           </a:p>
           <a:p>
-            <a:pPr marL="0" marR="0" indent="0" defTabSz="914400" rtl="0" eaLnBrk="0" fontAlgn="base" latinLnBrk="0" hangingPunct="0">
-              <a:lnSpc>
-                <a:spcPct val="100000"/>
-              </a:lnSpc>
-              <a:spcBef>
-                <a:spcPct val="0"/>
-              </a:spcBef>
-              <a:spcAft>
-                <a:spcPct val="0"/>
-              </a:spcAft>
-              <a:buClrTx/>
-              <a:buSzTx/>
-              <a:buFontTx/>
-              <a:buNone/>
-              <a:tabLst/>
-            </a:pPr>
-            <a:r>
-              <a:rPr kumimoji="0" lang="en-IN" sz="3200" i="0" u="none" strike="noStrike" normalizeH="0" baseline="0" dirty="0">
-                <a:ln w="0"/>
-                <a:solidFill>
-                  <a:schemeClr val="tx1"/>
-                </a:solidFill>
-                <a:effectLst>
-                  <a:outerShdw blurRad="38100" dist="25400" dir="5400000" algn="ctr" rotWithShape="0">
-                    <a:srgbClr val="6E747A">
-                      <a:alpha val="43000"/>
-                    </a:srgbClr>
-                  </a:outerShdw>
-                </a:effectLst>
-                <a:latin typeface="Calibri" panose="020F0502020204030204" pitchFamily="34" charset="0"/>
-                <a:ea typeface="Calibri" panose="020F0502020204030204" pitchFamily="34" charset="0"/>
-                <a:cs typeface="Calibri" panose="020F0502020204030204" pitchFamily="34" charset="0"/>
-              </a:rPr>
-              <a:t>•</a:t>
-            </a:r>
-            <a:r>
-              <a:rPr kumimoji="0" lang="en-IN" sz="3200" i="0" u="none" strike="noStrike" normalizeH="0" baseline="0" dirty="0">
-                <a:ln w="0"/>
-                <a:solidFill>
-                  <a:schemeClr val="accent1"/>
-                </a:solidFill>
-                <a:effectLst>
-                  <a:outerShdw blurRad="38100" dist="25400" dir="5400000" algn="ctr" rotWithShape="0">
-                    <a:srgbClr val="6E747A">
-                      <a:alpha val="43000"/>
-                    </a:srgbClr>
-                  </a:outerShdw>
-                </a:effectLst>
-                <a:latin typeface="Calibri" panose="020F0502020204030204" pitchFamily="34" charset="0"/>
-                <a:ea typeface="Calibri" panose="020F0502020204030204" pitchFamily="34" charset="0"/>
-                <a:cs typeface="Calibri" panose="020F0502020204030204" pitchFamily="34" charset="0"/>
-              </a:rPr>
-              <a:t>	</a:t>
-            </a:r>
-            <a:r>
-              <a:rPr kumimoji="0" lang="en-IN" sz="3200" i="0" u="none" strike="noStrike" normalizeH="0" baseline="0" dirty="0">
-                <a:ln w="0"/>
-                <a:solidFill>
-                  <a:schemeClr val="tx1"/>
-                </a:solidFill>
-                <a:effectLst>
-                  <a:outerShdw blurRad="38100" dist="25400" dir="5400000" algn="ctr" rotWithShape="0">
-                    <a:srgbClr val="6E747A">
-                      <a:alpha val="43000"/>
-                    </a:srgbClr>
-                  </a:outerShdw>
-                </a:effectLst>
-                <a:latin typeface="Calibri" panose="020F0502020204030204" pitchFamily="34" charset="0"/>
-                <a:ea typeface="Calibri" panose="020F0502020204030204" pitchFamily="34" charset="0"/>
-                <a:cs typeface="Calibri" panose="020F0502020204030204" pitchFamily="34" charset="0"/>
-              </a:rPr>
-              <a:t>Bird, S., Klein, E., &amp; </a:t>
-            </a:r>
-            <a:r>
-              <a:rPr kumimoji="0" lang="en-IN" sz="3200" i="0" u="none" strike="noStrike" normalizeH="0" baseline="0" dirty="0" err="1">
-                <a:ln w="0"/>
-                <a:solidFill>
-                  <a:schemeClr val="tx1"/>
-                </a:solidFill>
-                <a:effectLst>
-                  <a:outerShdw blurRad="38100" dist="25400" dir="5400000" algn="ctr" rotWithShape="0">
-                    <a:srgbClr val="6E747A">
-                      <a:alpha val="43000"/>
-                    </a:srgbClr>
-                  </a:outerShdw>
-                </a:effectLst>
-                <a:latin typeface="Calibri" panose="020F0502020204030204" pitchFamily="34" charset="0"/>
-                <a:ea typeface="Calibri" panose="020F0502020204030204" pitchFamily="34" charset="0"/>
-                <a:cs typeface="Calibri" panose="020F0502020204030204" pitchFamily="34" charset="0"/>
-              </a:rPr>
-              <a:t>Loper</a:t>
-            </a:r>
-            <a:r>
-              <a:rPr kumimoji="0" lang="en-IN" sz="3200" i="0" u="none" strike="noStrike" normalizeH="0" baseline="0" dirty="0">
-                <a:ln w="0"/>
-                <a:solidFill>
-                  <a:schemeClr val="tx1"/>
-                </a:solidFill>
-                <a:effectLst>
-                  <a:outerShdw blurRad="38100" dist="25400" dir="5400000" algn="ctr" rotWithShape="0">
-                    <a:srgbClr val="6E747A">
-                      <a:alpha val="43000"/>
-                    </a:srgbClr>
-                  </a:outerShdw>
-                </a:effectLst>
-                <a:latin typeface="Calibri" panose="020F0502020204030204" pitchFamily="34" charset="0"/>
-                <a:ea typeface="Calibri" panose="020F0502020204030204" pitchFamily="34" charset="0"/>
-                <a:cs typeface="Calibri" panose="020F0502020204030204" pitchFamily="34" charset="0"/>
-              </a:rPr>
-              <a:t>, E. (2009). Natural Language Processing with Python. O'Reilly Media, Inc.</a:t>
-            </a:r>
-          </a:p>
-          <a:p>
-            <a:pPr marL="0" marR="0" indent="0" defTabSz="914400" rtl="0" eaLnBrk="0" fontAlgn="base" latinLnBrk="0" hangingPunct="0">
-              <a:lnSpc>
-                <a:spcPct val="100000"/>
-              </a:lnSpc>
-              <a:spcBef>
-                <a:spcPct val="0"/>
-              </a:spcBef>
-              <a:spcAft>
-                <a:spcPct val="0"/>
-              </a:spcAft>
-              <a:buClrTx/>
-              <a:buSzTx/>
-              <a:buFontTx/>
-              <a:buNone/>
-              <a:tabLst/>
-            </a:pPr>
-            <a:r>
-              <a:rPr kumimoji="0" lang="en-IN" sz="3200" i="0" u="none" strike="noStrike" normalizeH="0" baseline="0" dirty="0">
-                <a:ln w="0"/>
-                <a:solidFill>
-                  <a:schemeClr val="tx1"/>
-                </a:solidFill>
-                <a:effectLst>
-                  <a:outerShdw blurRad="38100" dist="25400" dir="5400000" algn="ctr" rotWithShape="0">
-                    <a:srgbClr val="6E747A">
-                      <a:alpha val="43000"/>
-                    </a:srgbClr>
-                  </a:outerShdw>
-                </a:effectLst>
-                <a:latin typeface="Calibri" panose="020F0502020204030204" pitchFamily="34" charset="0"/>
-                <a:ea typeface="Calibri" panose="020F0502020204030204" pitchFamily="34" charset="0"/>
-                <a:cs typeface="Calibri" panose="020F0502020204030204" pitchFamily="34" charset="0"/>
-              </a:rPr>
-              <a:t>•	</a:t>
-            </a:r>
-            <a:r>
-              <a:rPr kumimoji="0" lang="en-IN" sz="3200" i="0" u="none" strike="noStrike" normalizeH="0" baseline="0" dirty="0" err="1">
-                <a:ln w="0"/>
-                <a:solidFill>
-                  <a:schemeClr val="tx1"/>
-                </a:solidFill>
-                <a:effectLst>
-                  <a:outerShdw blurRad="38100" dist="25400" dir="5400000" algn="ctr" rotWithShape="0">
-                    <a:srgbClr val="6E747A">
-                      <a:alpha val="43000"/>
-                    </a:srgbClr>
-                  </a:outerShdw>
-                </a:effectLst>
-                <a:latin typeface="Calibri" panose="020F0502020204030204" pitchFamily="34" charset="0"/>
-                <a:ea typeface="Calibri" panose="020F0502020204030204" pitchFamily="34" charset="0"/>
-                <a:cs typeface="Calibri" panose="020F0502020204030204" pitchFamily="34" charset="0"/>
-              </a:rPr>
-              <a:t>Jurafsky</a:t>
-            </a:r>
-            <a:r>
-              <a:rPr kumimoji="0" lang="en-IN" sz="3200" i="0" u="none" strike="noStrike" normalizeH="0" baseline="0" dirty="0">
-                <a:ln w="0"/>
-                <a:solidFill>
-                  <a:schemeClr val="tx1"/>
-                </a:solidFill>
-                <a:effectLst>
-                  <a:outerShdw blurRad="38100" dist="25400" dir="5400000" algn="ctr" rotWithShape="0">
-                    <a:srgbClr val="6E747A">
-                      <a:alpha val="43000"/>
-                    </a:srgbClr>
-                  </a:outerShdw>
-                </a:effectLst>
-                <a:latin typeface="Calibri" panose="020F0502020204030204" pitchFamily="34" charset="0"/>
-                <a:ea typeface="Calibri" panose="020F0502020204030204" pitchFamily="34" charset="0"/>
-                <a:cs typeface="Calibri" panose="020F0502020204030204" pitchFamily="34" charset="0"/>
-              </a:rPr>
-              <a:t>, D., &amp; Martin, J. H. (2019). Speech and Language Processing (3rd ed.). Pearson.</a:t>
-            </a:r>
-          </a:p>
-          <a:p>
-            <a:pPr marL="0" marR="0" indent="0" defTabSz="914400" rtl="0" eaLnBrk="0" fontAlgn="base" latinLnBrk="0" hangingPunct="0">
-              <a:lnSpc>
-                <a:spcPct val="100000"/>
-              </a:lnSpc>
-              <a:spcBef>
-                <a:spcPct val="0"/>
-              </a:spcBef>
-              <a:spcAft>
-                <a:spcPct val="0"/>
-              </a:spcAft>
-              <a:buClrTx/>
-              <a:buSzTx/>
-              <a:buFontTx/>
-              <a:buNone/>
-              <a:tabLst/>
-            </a:pPr>
-            <a:r>
-              <a:rPr kumimoji="0" lang="en-IN" sz="3200" i="0" u="none" strike="noStrike" normalizeH="0" baseline="0" dirty="0">
-                <a:ln w="0"/>
-                <a:solidFill>
-                  <a:schemeClr val="tx1"/>
-                </a:solidFill>
-                <a:effectLst>
-                  <a:outerShdw blurRad="38100" dist="25400" dir="5400000" algn="ctr" rotWithShape="0">
-                    <a:srgbClr val="6E747A">
-                      <a:alpha val="43000"/>
-                    </a:srgbClr>
-                  </a:outerShdw>
-                </a:effectLst>
-                <a:latin typeface="Calibri" panose="020F0502020204030204" pitchFamily="34" charset="0"/>
-                <a:ea typeface="Calibri" panose="020F0502020204030204" pitchFamily="34" charset="0"/>
-                <a:cs typeface="Calibri" panose="020F0502020204030204" pitchFamily="34" charset="0"/>
-              </a:rPr>
-              <a:t>•	Manning, C. D., Raghavan, P., &amp; </a:t>
-            </a:r>
-            <a:r>
-              <a:rPr kumimoji="0" lang="en-IN" sz="3200" i="0" u="none" strike="noStrike" normalizeH="0" baseline="0" dirty="0" err="1">
-                <a:ln w="0"/>
-                <a:solidFill>
-                  <a:schemeClr val="tx1"/>
-                </a:solidFill>
-                <a:effectLst>
-                  <a:outerShdw blurRad="38100" dist="25400" dir="5400000" algn="ctr" rotWithShape="0">
-                    <a:srgbClr val="6E747A">
-                      <a:alpha val="43000"/>
-                    </a:srgbClr>
-                  </a:outerShdw>
-                </a:effectLst>
-                <a:latin typeface="Calibri" panose="020F0502020204030204" pitchFamily="34" charset="0"/>
-                <a:ea typeface="Calibri" panose="020F0502020204030204" pitchFamily="34" charset="0"/>
-                <a:cs typeface="Calibri" panose="020F0502020204030204" pitchFamily="34" charset="0"/>
-              </a:rPr>
-              <a:t>Schütze</a:t>
-            </a:r>
-            <a:r>
-              <a:rPr kumimoji="0" lang="en-IN" sz="3200" i="0" u="none" strike="noStrike" normalizeH="0" baseline="0" dirty="0">
-                <a:ln w="0"/>
-                <a:solidFill>
-                  <a:schemeClr val="tx1"/>
-                </a:solidFill>
-                <a:effectLst>
-                  <a:outerShdw blurRad="38100" dist="25400" dir="5400000" algn="ctr" rotWithShape="0">
-                    <a:srgbClr val="6E747A">
-                      <a:alpha val="43000"/>
-                    </a:srgbClr>
-                  </a:outerShdw>
-                </a:effectLst>
-                <a:latin typeface="Calibri" panose="020F0502020204030204" pitchFamily="34" charset="0"/>
-                <a:ea typeface="Calibri" panose="020F0502020204030204" pitchFamily="34" charset="0"/>
-                <a:cs typeface="Calibri" panose="020F0502020204030204" pitchFamily="34" charset="0"/>
-              </a:rPr>
-              <a:t>, H. (2020). Introduction to Information Retrieval. Cambridge University Press.</a:t>
-            </a:r>
-          </a:p>
-          <a:p>
-            <a:pPr marL="0" marR="0" indent="0" defTabSz="914400" rtl="0" eaLnBrk="0" fontAlgn="base" latinLnBrk="0" hangingPunct="0">
-              <a:lnSpc>
-                <a:spcPct val="100000"/>
-              </a:lnSpc>
-              <a:spcBef>
-                <a:spcPct val="0"/>
-              </a:spcBef>
-              <a:spcAft>
-                <a:spcPct val="0"/>
-              </a:spcAft>
-              <a:buClrTx/>
-              <a:buSzTx/>
-              <a:buFontTx/>
-              <a:buNone/>
-              <a:tabLst/>
-            </a:pPr>
-            <a:r>
-              <a:rPr kumimoji="0" lang="en-IN" sz="3200" i="0" u="none" strike="noStrike" normalizeH="0" baseline="0" dirty="0">
-                <a:ln w="0"/>
-                <a:solidFill>
-                  <a:schemeClr val="tx1"/>
-                </a:solidFill>
-                <a:effectLst>
-                  <a:outerShdw blurRad="38100" dist="25400" dir="5400000" algn="ctr" rotWithShape="0">
-                    <a:srgbClr val="6E747A">
-                      <a:alpha val="43000"/>
-                    </a:srgbClr>
-                  </a:outerShdw>
-                </a:effectLst>
-                <a:latin typeface="Calibri" panose="020F0502020204030204" pitchFamily="34" charset="0"/>
-                <a:ea typeface="Calibri" panose="020F0502020204030204" pitchFamily="34" charset="0"/>
-                <a:cs typeface="Calibri" panose="020F0502020204030204" pitchFamily="34" charset="0"/>
-              </a:rPr>
-              <a:t>•	Mohammad, S. M., &amp; Turney, P. D. (2010). Emotions Evoked by Common Words and Phrases</a:t>
-            </a:r>
-          </a:p>
-          <a:p>
-            <a:pPr marL="0" marR="0" indent="0" defTabSz="914400" rtl="0" eaLnBrk="0" fontAlgn="base" latinLnBrk="0" hangingPunct="0">
-              <a:lnSpc>
-                <a:spcPct val="100000"/>
-              </a:lnSpc>
-              <a:spcBef>
-                <a:spcPct val="0"/>
-              </a:spcBef>
-              <a:spcAft>
-                <a:spcPct val="0"/>
-              </a:spcAft>
-              <a:buClrTx/>
-              <a:buSzTx/>
-              <a:buFontTx/>
-              <a:buNone/>
-              <a:tabLst/>
-            </a:pPr>
-            <a:r>
-              <a:rPr kumimoji="0" lang="en-IN" sz="3200" i="0" u="none" strike="noStrike" normalizeH="0" baseline="0" dirty="0">
-                <a:ln w="0"/>
-                <a:solidFill>
-                  <a:schemeClr val="tx1"/>
-                </a:solidFill>
-                <a:effectLst>
-                  <a:outerShdw blurRad="38100" dist="25400" dir="5400000" algn="ctr" rotWithShape="0">
-                    <a:srgbClr val="6E747A">
-                      <a:alpha val="43000"/>
-                    </a:srgbClr>
-                  </a:outerShdw>
-                </a:effectLst>
-                <a:latin typeface="Calibri" panose="020F0502020204030204" pitchFamily="34" charset="0"/>
-                <a:ea typeface="Calibri" panose="020F0502020204030204" pitchFamily="34" charset="0"/>
-                <a:cs typeface="Calibri" panose="020F0502020204030204" pitchFamily="34" charset="0"/>
-              </a:rPr>
-              <a:t> •	https://www.docdroid.net/N8uGQ0o/anne-frank-the-diary-of-a-young-girl-pdf</a:t>
-            </a:r>
-          </a:p>
-          <a:p>
             <a:pPr marL="0" marR="0" indent="0" algn="l" defTabSz="914400" rtl="0" eaLnBrk="0" fontAlgn="base" latinLnBrk="0" hangingPunct="0">
               <a:lnSpc>
                 <a:spcPct val="100000"/>
@@ -6411,6 +6527,220 @@
           </a:p>
         </p:txBody>
       </p:sp>
+      <p:pic>
+        <p:nvPicPr>
+          <p:cNvPr id="5" name="Picture 4" descr="A qr code with a picture of a pot on it&#10;&#10;Description automatically generated">
+            <a:extLst>
+              <a:ext uri="{FF2B5EF4-FFF2-40B4-BE49-F238E27FC236}">
+                <a16:creationId xmlns:a16="http://schemas.microsoft.com/office/drawing/2014/main" id="{0DF8E2A9-B028-2BEB-E48D-411935BE42B9}"/>
+              </a:ext>
+            </a:extLst>
+          </p:cNvPr>
+          <p:cNvPicPr>
+            <a:picLocks noChangeAspect="1"/>
+          </p:cNvPicPr>
+          <p:nvPr/>
+        </p:nvPicPr>
+        <p:blipFill>
+          <a:blip r:embed="rId6" cstate="print">
+            <a:extLst>
+              <a:ext uri="{28A0092B-C50C-407E-A947-70E740481C1C}">
+                <a14:useLocalDpi xmlns:a14="http://schemas.microsoft.com/office/drawing/2010/main" val="0"/>
+              </a:ext>
+            </a:extLst>
+          </a:blip>
+          <a:stretch>
+            <a:fillRect/>
+          </a:stretch>
+        </p:blipFill>
+        <p:spPr>
+          <a:xfrm>
+            <a:off x="23205174" y="37985577"/>
+            <a:ext cx="3551279" cy="3551279"/>
+          </a:xfrm>
+          <a:prstGeom prst="rect">
+            <a:avLst/>
+          </a:prstGeom>
+        </p:spPr>
+      </p:pic>
+      <p:sp>
+        <p:nvSpPr>
+          <p:cNvPr id="17" name="Rectangle 16">
+            <a:extLst>
+              <a:ext uri="{FF2B5EF4-FFF2-40B4-BE49-F238E27FC236}">
+                <a16:creationId xmlns:a16="http://schemas.microsoft.com/office/drawing/2014/main" id="{145DEB42-A65A-22F1-EBE9-82031A7CAE17}"/>
+              </a:ext>
+            </a:extLst>
+          </p:cNvPr>
+          <p:cNvSpPr/>
+          <p:nvPr/>
+        </p:nvSpPr>
+        <p:spPr bwMode="auto">
+          <a:xfrm>
+            <a:off x="20228304" y="36357974"/>
+            <a:ext cx="9706362" cy="1655507"/>
+          </a:xfrm>
+          <a:prstGeom prst="rect">
+            <a:avLst/>
+          </a:prstGeom>
+          <a:ln>
+            <a:noFill/>
+            <a:headEnd type="none" w="med" len="med"/>
+            <a:tailEnd type="none" w="med" len="med"/>
+          </a:ln>
+        </p:spPr>
+        <p:style>
+          <a:lnRef idx="2">
+            <a:schemeClr val="accent4">
+              <a:shade val="15000"/>
+            </a:schemeClr>
+          </a:lnRef>
+          <a:fillRef idx="1">
+            <a:schemeClr val="accent4"/>
+          </a:fillRef>
+          <a:effectRef idx="0">
+            <a:schemeClr val="accent4"/>
+          </a:effectRef>
+          <a:fontRef idx="minor">
+            <a:schemeClr val="lt1"/>
+          </a:fontRef>
+        </p:style>
+        <p:txBody>
+          <a:bodyPr vert="horz" wrap="square" lIns="91440" tIns="45720" rIns="91440" bIns="45720" numCol="1" rtlCol="0" anchor="t" anchorCtr="0" compatLnSpc="1">
+            <a:prstTxWarp prst="textNoShape">
+              <a:avLst/>
+            </a:prstTxWarp>
+          </a:bodyPr>
+          <a:lstStyle/>
+          <a:p>
+            <a:pPr marL="0" marR="0" indent="0" algn="l" defTabSz="914400" rtl="0" eaLnBrk="0" fontAlgn="base" latinLnBrk="0" hangingPunct="0">
+              <a:lnSpc>
+                <a:spcPct val="100000"/>
+              </a:lnSpc>
+              <a:spcBef>
+                <a:spcPct val="0"/>
+              </a:spcBef>
+              <a:spcAft>
+                <a:spcPct val="0"/>
+              </a:spcAft>
+              <a:buClrTx/>
+              <a:buSzTx/>
+              <a:buFontTx/>
+              <a:buNone/>
+              <a:tabLst/>
+            </a:pPr>
+            <a:r>
+              <a:rPr lang="en-US" sz="5400" dirty="0">
+                <a:ln w="0"/>
+                <a:solidFill>
+                  <a:schemeClr val="accent1"/>
+                </a:solidFill>
+                <a:effectLst>
+                  <a:outerShdw blurRad="38100" dist="25400" dir="5400000" algn="ctr" rotWithShape="0">
+                    <a:srgbClr val="6E747A">
+                      <a:alpha val="43000"/>
+                    </a:srgbClr>
+                  </a:outerShdw>
+                </a:effectLst>
+                <a:latin typeface="Calibri" panose="020F0502020204030204" pitchFamily="34" charset="0"/>
+                <a:ea typeface="Calibri" panose="020F0502020204030204" pitchFamily="34" charset="0"/>
+                <a:cs typeface="Calibri" panose="020F0502020204030204" pitchFamily="34" charset="0"/>
+              </a:rPr>
+              <a:t>QR Code for Streamlit app &amp; References</a:t>
+            </a:r>
+          </a:p>
+        </p:txBody>
+      </p:sp>
+      <p:pic>
+        <p:nvPicPr>
+          <p:cNvPr id="7" name="Picture 6">
+            <a:extLst>
+              <a:ext uri="{FF2B5EF4-FFF2-40B4-BE49-F238E27FC236}">
+                <a16:creationId xmlns:a16="http://schemas.microsoft.com/office/drawing/2014/main" id="{73D6D4A3-EB84-BF1B-3E71-BBE4FCB4C4BB}"/>
+              </a:ext>
+            </a:extLst>
+          </p:cNvPr>
+          <p:cNvPicPr>
+            <a:picLocks noChangeAspect="1"/>
+          </p:cNvPicPr>
+          <p:nvPr/>
+        </p:nvPicPr>
+        <p:blipFill>
+          <a:blip r:embed="rId7"/>
+          <a:stretch>
+            <a:fillRect/>
+          </a:stretch>
+        </p:blipFill>
+        <p:spPr>
+          <a:xfrm>
+            <a:off x="20357832" y="21849766"/>
+            <a:ext cx="9345075" cy="4123622"/>
+          </a:xfrm>
+          <a:prstGeom prst="rect">
+            <a:avLst/>
+          </a:prstGeom>
+        </p:spPr>
+      </p:pic>
+      <p:pic>
+        <p:nvPicPr>
+          <p:cNvPr id="18" name="Picture 17">
+            <a:extLst>
+              <a:ext uri="{FF2B5EF4-FFF2-40B4-BE49-F238E27FC236}">
+                <a16:creationId xmlns:a16="http://schemas.microsoft.com/office/drawing/2014/main" id="{6882C942-8781-EF72-0771-A69BE806047F}"/>
+              </a:ext>
+            </a:extLst>
+          </p:cNvPr>
+          <p:cNvPicPr>
+            <a:picLocks noChangeAspect="1"/>
+          </p:cNvPicPr>
+          <p:nvPr/>
+        </p:nvPicPr>
+        <p:blipFill>
+          <a:blip r:embed="rId8"/>
+          <a:stretch>
+            <a:fillRect/>
+          </a:stretch>
+        </p:blipFill>
+        <p:spPr>
+          <a:xfrm>
+            <a:off x="20366441" y="14987360"/>
+            <a:ext cx="9256878" cy="5314286"/>
+          </a:xfrm>
+          <a:prstGeom prst="rect">
+            <a:avLst/>
+          </a:prstGeom>
+        </p:spPr>
+      </p:pic>
+      <p:pic>
+        <p:nvPicPr>
+          <p:cNvPr id="8" name="Picture 7">
+            <a:extLst>
+              <a:ext uri="{FF2B5EF4-FFF2-40B4-BE49-F238E27FC236}">
+                <a16:creationId xmlns:a16="http://schemas.microsoft.com/office/drawing/2014/main" id="{C4591D0B-414A-B7F8-C8A1-818A6C17A4E3}"/>
+              </a:ext>
+            </a:extLst>
+          </p:cNvPr>
+          <p:cNvPicPr>
+            <a:picLocks noChangeAspect="1"/>
+          </p:cNvPicPr>
+          <p:nvPr/>
+        </p:nvPicPr>
+        <p:blipFill>
+          <a:blip r:embed="rId9"/>
+          <a:stretch>
+            <a:fillRect/>
+          </a:stretch>
+        </p:blipFill>
+        <p:spPr>
+          <a:xfrm>
+            <a:off x="9949762" y="9946692"/>
+            <a:ext cx="9683644" cy="12507517"/>
+          </a:xfrm>
+          <a:prstGeom prst="rect">
+            <a:avLst/>
+          </a:prstGeom>
+        </p:spPr>
+      </p:pic>
     </p:spTree>
   </p:cSld>
   <p:clrMapOvr>
